--- a/Slides/apresentacao.pptx
+++ b/Slides/apresentacao.pptx
@@ -11157,12 +11157,27 @@
         </p:nvSpPr>
         <p:spPr/>
         <p:txBody>
-          <a:bodyPr/>
-          <a:lstStyle/>
-          <a:p>
-            <a:r>
-              <a:rPr lang="pt-BR" dirty="0" smtClean="0"/>
-              <a:t>Júlio Machado</a:t>
+          <a:bodyPr>
+            <a:normAutofit lnSpcReduction="10000"/>
+          </a:bodyPr>
+          <a:lstStyle/>
+          <a:p>
+            <a:r>
+              <a:rPr lang="pt-BR" dirty="0" smtClean="0"/>
+              <a:t>Júlio </a:t>
+            </a:r>
+            <a:r>
+              <a:rPr lang="pt-BR" dirty="0" smtClean="0"/>
+              <a:t>Machado</a:t>
+            </a:r>
+          </a:p>
+          <a:p>
+            <a:endParaRPr lang="pt-BR" dirty="0"/>
+          </a:p>
+          <a:p>
+            <a:r>
+              <a:rPr lang="en-US" dirty="0"/>
+              <a:t>https://github.com/julioapm/Java8Atualizacao</a:t>
             </a:r>
             <a:endParaRPr lang="en-US" dirty="0"/>
           </a:p>
@@ -11314,7 +11329,6 @@
               <a:rPr lang="pt-BR" dirty="0" smtClean="0"/>
               <a:t> – Exemplo1</a:t>
             </a:r>
-            <a:endParaRPr lang="pt-BR" dirty="0" smtClean="0"/>
           </a:p>
           <a:p>
             <a:pPr marL="0" indent="0">
@@ -11760,7 +11774,6 @@
               <a:rPr lang="pt-BR" dirty="0" smtClean="0"/>
               <a:t> – Exemplo2</a:t>
             </a:r>
-            <a:endParaRPr lang="pt-BR" dirty="0" smtClean="0"/>
           </a:p>
           <a:p>
             <a:pPr marL="0" indent="0">
@@ -12237,11 +12250,7 @@
           <a:p>
             <a:r>
               <a:rPr lang="pt-BR" dirty="0" smtClean="0"/>
-              <a:t>Ex</a:t>
-            </a:r>
-            <a:r>
-              <a:rPr lang="pt-BR" dirty="0" smtClean="0"/>
-              <a:t>.: </a:t>
+              <a:t>Ex.: </a:t>
             </a:r>
             <a:r>
               <a:rPr lang="pt-BR" dirty="0" err="1" smtClean="0"/>
@@ -12251,7 +12260,6 @@
               <a:rPr lang="pt-BR" dirty="0" smtClean="0"/>
               <a:t> – Exemplo3</a:t>
             </a:r>
-            <a:endParaRPr lang="pt-BR" dirty="0" smtClean="0"/>
           </a:p>
           <a:p>
             <a:pPr marL="0" indent="0">
@@ -12579,11 +12587,7 @@
           <a:p>
             <a:r>
               <a:rPr lang="pt-BR" dirty="0" smtClean="0"/>
-              <a:t>Ex</a:t>
-            </a:r>
-            <a:r>
-              <a:rPr lang="pt-BR" dirty="0" smtClean="0"/>
-              <a:t>.: </a:t>
+              <a:t>Ex.: </a:t>
             </a:r>
             <a:r>
               <a:rPr lang="pt-BR" dirty="0" err="1" smtClean="0"/>
@@ -12593,7 +12597,6 @@
               <a:rPr lang="pt-BR" dirty="0" smtClean="0"/>
               <a:t> – Exemplo4</a:t>
             </a:r>
-            <a:endParaRPr lang="pt-BR" dirty="0" smtClean="0"/>
           </a:p>
           <a:p>
             <a:pPr marL="0" indent="0">
@@ -12813,11 +12816,7 @@
           <a:p>
             <a:r>
               <a:rPr lang="pt-BR" dirty="0" smtClean="0"/>
-              <a:t>Ex</a:t>
-            </a:r>
-            <a:r>
-              <a:rPr lang="pt-BR" dirty="0" smtClean="0"/>
-              <a:t>.: </a:t>
+              <a:t>Ex.: </a:t>
             </a:r>
             <a:r>
               <a:rPr lang="pt-BR" dirty="0" err="1" smtClean="0"/>
@@ -12827,7 +12826,6 @@
               <a:rPr lang="pt-BR" dirty="0" smtClean="0"/>
               <a:t> – Exemplo4</a:t>
             </a:r>
-            <a:endParaRPr lang="pt-BR" dirty="0" smtClean="0"/>
           </a:p>
           <a:p>
             <a:pPr marL="0" indent="0">
@@ -13054,11 +13052,7 @@
           <a:p>
             <a:r>
               <a:rPr lang="pt-BR" dirty="0" smtClean="0"/>
-              <a:t>Ex</a:t>
-            </a:r>
-            <a:r>
-              <a:rPr lang="pt-BR" dirty="0" smtClean="0"/>
-              <a:t>.: </a:t>
+              <a:t>Ex.: </a:t>
             </a:r>
             <a:r>
               <a:rPr lang="pt-BR" dirty="0" err="1" smtClean="0"/>
@@ -13068,7 +13062,6 @@
               <a:rPr lang="pt-BR" dirty="0" smtClean="0"/>
               <a:t> – Exemplo5</a:t>
             </a:r>
-            <a:endParaRPr lang="pt-BR" dirty="0" smtClean="0"/>
           </a:p>
           <a:p>
             <a:pPr marL="0" indent="0">
@@ -13296,11 +13289,7 @@
           <a:p>
             <a:r>
               <a:rPr lang="pt-BR" dirty="0" smtClean="0"/>
-              <a:t>Ex</a:t>
-            </a:r>
-            <a:r>
-              <a:rPr lang="pt-BR" dirty="0" smtClean="0"/>
-              <a:t>.: </a:t>
+              <a:t>Ex.: </a:t>
             </a:r>
             <a:r>
               <a:rPr lang="pt-BR" dirty="0" err="1" smtClean="0"/>
@@ -13310,7 +13299,6 @@
               <a:rPr lang="pt-BR" dirty="0" smtClean="0"/>
               <a:t> – Exemplo6</a:t>
             </a:r>
-            <a:endParaRPr lang="pt-BR" dirty="0" smtClean="0"/>
           </a:p>
           <a:p>
             <a:pPr marL="0" indent="0">
@@ -13892,11 +13880,7 @@
           <a:p>
             <a:r>
               <a:rPr lang="pt-BR" dirty="0" smtClean="0"/>
-              <a:t>Dada uma coleção de estudantes, obter a maior nota dos estudantes cujo ano de graduação for </a:t>
-            </a:r>
-            <a:r>
-              <a:rPr lang="pt-BR" dirty="0" smtClean="0"/>
-              <a:t>2015</a:t>
+              <a:t>Dada uma coleção de estudantes, obter a maior nota dos estudantes cujo ano de graduação for 2015</a:t>
             </a:r>
           </a:p>
           <a:p>
@@ -13906,11 +13890,7 @@
             </a:r>
             <a:r>
               <a:rPr lang="pt-BR" dirty="0" err="1" smtClean="0"/>
-              <a:t>Exe</a:t>
-            </a:r>
-            <a:r>
-              <a:rPr lang="pt-BR" dirty="0" err="1" smtClean="0"/>
-              <a:t>mploMotivacao</a:t>
+              <a:t>ExemploMotivacao</a:t>
             </a:r>
             <a:endParaRPr lang="pt-BR" dirty="0"/>
           </a:p>
@@ -16347,15 +16327,7 @@
           <a:p>
             <a:r>
               <a:rPr lang="pt-BR" dirty="0" smtClean="0"/>
-              <a:t>Suportar um </a:t>
-            </a:r>
-            <a:r>
-              <a:rPr lang="pt-BR" dirty="0" smtClean="0"/>
-              <a:t>“estilo” </a:t>
-            </a:r>
-            <a:r>
-              <a:rPr lang="pt-BR" dirty="0" smtClean="0"/>
-              <a:t>de programação funcional</a:t>
+              <a:t>Suportar um “estilo” de programação funcional</a:t>
             </a:r>
             <a:endParaRPr lang="en-US" dirty="0"/>
           </a:p>
@@ -17006,15 +16978,7 @@
             <a:pPr lvl="1"/>
             <a:r>
               <a:rPr lang="pt-BR" dirty="0" smtClean="0"/>
-              <a:t>O corpo da </a:t>
-            </a:r>
-            <a:r>
-              <a:rPr lang="pt-BR" dirty="0" smtClean="0"/>
-              <a:t>expressão lambda </a:t>
-            </a:r>
-            <a:r>
-              <a:rPr lang="pt-BR" dirty="0" smtClean="0"/>
-              <a:t>pode ser uma expressão ou um bloco de comandos</a:t>
+              <a:t>O corpo da expressão lambda pode ser uma expressão ou um bloco de comandos</a:t>
             </a:r>
           </a:p>
           <a:p>
@@ -17225,14 +17189,7 @@
                 <a:latin typeface="Courier New" panose="02070309020205020404" pitchFamily="49" charset="0"/>
                 <a:cs typeface="Courier New" panose="02070309020205020404" pitchFamily="49" charset="0"/>
               </a:rPr>
-              <a:t>  </a:t>
-            </a:r>
-            <a:r>
-              <a:rPr lang="en-US" dirty="0" smtClean="0">
-                <a:latin typeface="Courier New" panose="02070309020205020404" pitchFamily="49" charset="0"/>
-                <a:cs typeface="Courier New" panose="02070309020205020404" pitchFamily="49" charset="0"/>
-              </a:rPr>
-              <a:t>return </a:t>
+              <a:t>  return </a:t>
             </a:r>
             <a:r>
               <a:rPr lang="en-US" dirty="0" err="1" smtClean="0">
@@ -20552,11 +20509,7 @@
             <a:pPr lvl="2"/>
             <a:r>
               <a:rPr lang="pt-BR" dirty="0" smtClean="0"/>
-              <a:t>Exemplo1: </a:t>
-            </a:r>
-            <a:r>
-              <a:rPr lang="pt-BR" dirty="0" smtClean="0"/>
-              <a:t>utiliza classe interna privada que implementa interface </a:t>
+              <a:t>Exemplo1: utiliza classe interna privada que implementa interface </a:t>
             </a:r>
             <a:r>
               <a:rPr lang="pt-BR" i="1" dirty="0" err="1" smtClean="0"/>
@@ -20746,11 +20699,7 @@
             </a:r>
             <a:r>
               <a:rPr lang="pt-BR" dirty="0" smtClean="0"/>
-              <a:t> e imprimir o conteúdo no </a:t>
-            </a:r>
-            <a:r>
-              <a:rPr lang="pt-BR" dirty="0" smtClean="0"/>
-              <a:t>console</a:t>
+              <a:t> e imprimir o conteúdo no console</a:t>
             </a:r>
           </a:p>
           <a:p>
@@ -21437,26 +21386,14 @@
             <a:pPr lvl="1"/>
             <a:r>
               <a:rPr lang="pt-BR" dirty="0" smtClean="0"/>
-              <a:t>f</a:t>
-            </a:r>
-            <a:r>
-              <a:rPr lang="pt-BR" dirty="0" smtClean="0"/>
-              <a:t>acilitar a </a:t>
-            </a:r>
-            <a:r>
-              <a:rPr lang="pt-BR" dirty="0" smtClean="0"/>
-              <a:t>construção de métodos anônimos</a:t>
+              <a:t>facilitar a construção de métodos anônimos</a:t>
             </a:r>
           </a:p>
           <a:p>
             <a:pPr lvl="1"/>
             <a:r>
               <a:rPr lang="pt-BR" dirty="0" smtClean="0"/>
-              <a:t>tratar métodos </a:t>
-            </a:r>
-            <a:r>
-              <a:rPr lang="pt-BR" dirty="0" smtClean="0"/>
-              <a:t>como elementos manipuláveis na linguagem</a:t>
+              <a:t>tratar métodos como elementos manipuláveis na linguagem</a:t>
             </a:r>
           </a:p>
           <a:p>
@@ -22235,7 +22172,6 @@
               <a:rPr lang="pt-BR" dirty="0" smtClean="0"/>
               <a:t> (muito úteis para indicar overflow em operações matemáticas)</a:t>
             </a:r>
-            <a:endParaRPr lang="pt-BR" dirty="0" smtClean="0"/>
           </a:p>
         </p:txBody>
       </p:sp>
@@ -23233,11 +23169,7 @@
           <a:p>
             <a:r>
               <a:rPr lang="pt-BR" dirty="0" smtClean="0"/>
-              <a:t>Ex.: Qual a ordem de execução</a:t>
-            </a:r>
-            <a:r>
-              <a:rPr lang="pt-BR" dirty="0" smtClean="0"/>
-              <a:t>? </a:t>
+              <a:t>Ex.: Qual a ordem de execução? </a:t>
             </a:r>
             <a:r>
               <a:rPr lang="pt-BR" dirty="0" err="1" smtClean="0"/>
@@ -27014,11 +26946,7 @@
             </a:r>
             <a:r>
               <a:rPr lang="pt-BR" dirty="0" smtClean="0"/>
-              <a:t> que possuem pelo menos </a:t>
-            </a:r>
-            <a:r>
-              <a:rPr lang="pt-BR" dirty="0" smtClean="0"/>
-              <a:t>quatro caracteres</a:t>
+              <a:t> que possuem pelo menos quatro caracteres</a:t>
             </a:r>
           </a:p>
           <a:p>
